--- a/Manual/OpenTag3.pptx
+++ b/Manual/OpenTag3.pptx
@@ -104,7 +104,16 @@
       </a:defRPr>
     </a:lvl9pPr>
   </p:defaultTextStyle>
+  <p:extLst>
+    <p:ext uri="{EFAFB233-063F-42B5-8137-9DF3F51BA10A}">
+      <p15:sldGuideLst xmlns:p15="http://schemas.microsoft.com/office/powerpoint/2012/main"/>
+    </p:ext>
+  </p:extLst>
 </p:presentation>
+</file>
+
+<file path=ppt/revisionInfo.xml><?xml version="1.0" encoding="utf-8"?>
+<p1510:revInfo xmlns:a="http://schemas.openxmlformats.org/drawingml/2006/main" xmlns:r="http://schemas.openxmlformats.org/officeDocument/2006/relationships" xmlns:p1510="http://schemas.microsoft.com/office/powerpoint/2015/10/main"/>
 </file>
 
 <file path=ppt/slideLayouts/slideLayout1.xml><?xml version="1.0" encoding="utf-8"?>
@@ -254,7 +263,7 @@
           <a:p>
             <a:fld id="{10992DFF-F742-4144-920B-84556B5EB160}" type="datetimeFigureOut">
               <a:rPr lang="en-US" smtClean="0"/>
-              <a:t>12/8/2017</a:t>
+              <a:t>12/12/2017</a:t>
             </a:fld>
             <a:endParaRPr lang="en-US"/>
           </a:p>
@@ -452,7 +461,7 @@
           <a:p>
             <a:fld id="{10992DFF-F742-4144-920B-84556B5EB160}" type="datetimeFigureOut">
               <a:rPr lang="en-US" smtClean="0"/>
-              <a:t>12/8/2017</a:t>
+              <a:t>12/12/2017</a:t>
             </a:fld>
             <a:endParaRPr lang="en-US"/>
           </a:p>
@@ -660,7 +669,7 @@
           <a:p>
             <a:fld id="{10992DFF-F742-4144-920B-84556B5EB160}" type="datetimeFigureOut">
               <a:rPr lang="en-US" smtClean="0"/>
-              <a:t>12/8/2017</a:t>
+              <a:t>12/12/2017</a:t>
             </a:fld>
             <a:endParaRPr lang="en-US"/>
           </a:p>
@@ -858,7 +867,7 @@
           <a:p>
             <a:fld id="{10992DFF-F742-4144-920B-84556B5EB160}" type="datetimeFigureOut">
               <a:rPr lang="en-US" smtClean="0"/>
-              <a:t>12/8/2017</a:t>
+              <a:t>12/12/2017</a:t>
             </a:fld>
             <a:endParaRPr lang="en-US"/>
           </a:p>
@@ -1133,7 +1142,7 @@
           <a:p>
             <a:fld id="{10992DFF-F742-4144-920B-84556B5EB160}" type="datetimeFigureOut">
               <a:rPr lang="en-US" smtClean="0"/>
-              <a:t>12/8/2017</a:t>
+              <a:t>12/12/2017</a:t>
             </a:fld>
             <a:endParaRPr lang="en-US"/>
           </a:p>
@@ -1398,7 +1407,7 @@
           <a:p>
             <a:fld id="{10992DFF-F742-4144-920B-84556B5EB160}" type="datetimeFigureOut">
               <a:rPr lang="en-US" smtClean="0"/>
-              <a:t>12/8/2017</a:t>
+              <a:t>12/12/2017</a:t>
             </a:fld>
             <a:endParaRPr lang="en-US"/>
           </a:p>
@@ -1810,7 +1819,7 @@
           <a:p>
             <a:fld id="{10992DFF-F742-4144-920B-84556B5EB160}" type="datetimeFigureOut">
               <a:rPr lang="en-US" smtClean="0"/>
-              <a:t>12/8/2017</a:t>
+              <a:t>12/12/2017</a:t>
             </a:fld>
             <a:endParaRPr lang="en-US"/>
           </a:p>
@@ -1951,7 +1960,7 @@
           <a:p>
             <a:fld id="{10992DFF-F742-4144-920B-84556B5EB160}" type="datetimeFigureOut">
               <a:rPr lang="en-US" smtClean="0"/>
-              <a:t>12/8/2017</a:t>
+              <a:t>12/12/2017</a:t>
             </a:fld>
             <a:endParaRPr lang="en-US"/>
           </a:p>
@@ -2064,7 +2073,7 @@
           <a:p>
             <a:fld id="{10992DFF-F742-4144-920B-84556B5EB160}" type="datetimeFigureOut">
               <a:rPr lang="en-US" smtClean="0"/>
-              <a:t>12/8/2017</a:t>
+              <a:t>12/12/2017</a:t>
             </a:fld>
             <a:endParaRPr lang="en-US"/>
           </a:p>
@@ -2375,7 +2384,7 @@
           <a:p>
             <a:fld id="{10992DFF-F742-4144-920B-84556B5EB160}" type="datetimeFigureOut">
               <a:rPr lang="en-US" smtClean="0"/>
-              <a:t>12/8/2017</a:t>
+              <a:t>12/12/2017</a:t>
             </a:fld>
             <a:endParaRPr lang="en-US"/>
           </a:p>
@@ -2663,7 +2672,7 @@
           <a:p>
             <a:fld id="{10992DFF-F742-4144-920B-84556B5EB160}" type="datetimeFigureOut">
               <a:rPr lang="en-US" smtClean="0"/>
-              <a:t>12/8/2017</a:t>
+              <a:t>12/12/2017</a:t>
             </a:fld>
             <a:endParaRPr lang="en-US"/>
           </a:p>
@@ -2904,7 +2913,7 @@
           <a:p>
             <a:fld id="{10992DFF-F742-4144-920B-84556B5EB160}" type="datetimeFigureOut">
               <a:rPr lang="en-US" smtClean="0"/>
-              <a:t>12/8/2017</a:t>
+              <a:t>12/12/2017</a:t>
             </a:fld>
             <a:endParaRPr lang="en-US"/>
           </a:p>
@@ -4133,6 +4142,261 @@
           </a:p>
         </p:txBody>
       </p:sp>
+      <p:grpSp>
+        <p:nvGrpSpPr>
+          <p:cNvPr id="12" name="Group 11">
+            <a:extLst>
+              <a:ext uri="{FF2B5EF4-FFF2-40B4-BE49-F238E27FC236}">
+                <a16:creationId xmlns:a16="http://schemas.microsoft.com/office/drawing/2014/main" id="{CFDAD171-0989-45AE-A694-F15D4AC91C6A}"/>
+              </a:ext>
+            </a:extLst>
+          </p:cNvPr>
+          <p:cNvGrpSpPr/>
+          <p:nvPr/>
+        </p:nvGrpSpPr>
+        <p:grpSpPr>
+          <a:xfrm rot="5400000">
+            <a:off x="311572" y="2950763"/>
+            <a:ext cx="1751404" cy="1202471"/>
+            <a:chOff x="311572" y="2950763"/>
+            <a:chExt cx="1751404" cy="1202471"/>
+          </a:xfrm>
+        </p:grpSpPr>
+        <p:cxnSp>
+          <p:nvCxnSpPr>
+            <p:cNvPr id="6" name="Straight Arrow Connector 5">
+              <a:extLst>
+                <a:ext uri="{FF2B5EF4-FFF2-40B4-BE49-F238E27FC236}">
+                  <a16:creationId xmlns:a16="http://schemas.microsoft.com/office/drawing/2014/main" id="{858A302C-D28E-4F7A-8F7F-01CA154FCA48}"/>
+                </a:ext>
+              </a:extLst>
+            </p:cNvPr>
+            <p:cNvCxnSpPr/>
+            <p:nvPr/>
+          </p:nvCxnSpPr>
+          <p:spPr>
+            <a:xfrm>
+              <a:off x="1081668" y="3407426"/>
+              <a:ext cx="981308" cy="0"/>
+            </a:xfrm>
+            <a:prstGeom prst="straightConnector1">
+              <a:avLst/>
+            </a:prstGeom>
+            <a:ln>
+              <a:tailEnd type="triangle"/>
+            </a:ln>
+          </p:spPr>
+          <p:style>
+            <a:lnRef idx="1">
+              <a:schemeClr val="accent1"/>
+            </a:lnRef>
+            <a:fillRef idx="0">
+              <a:schemeClr val="accent1"/>
+            </a:fillRef>
+            <a:effectRef idx="0">
+              <a:schemeClr val="accent1"/>
+            </a:effectRef>
+            <a:fontRef idx="minor">
+              <a:schemeClr val="tx1"/>
+            </a:fontRef>
+          </p:style>
+        </p:cxnSp>
+        <p:sp>
+          <p:nvSpPr>
+            <p:cNvPr id="7" name="TextBox 6">
+              <a:extLst>
+                <a:ext uri="{FF2B5EF4-FFF2-40B4-BE49-F238E27FC236}">
+                  <a16:creationId xmlns:a16="http://schemas.microsoft.com/office/drawing/2014/main" id="{DBEDBC8E-CDFB-4551-97FF-907AEE74B6A7}"/>
+                </a:ext>
+              </a:extLst>
+            </p:cNvPr>
+            <p:cNvSpPr txBox="1"/>
+            <p:nvPr/>
+          </p:nvSpPr>
+          <p:spPr>
+            <a:xfrm>
+              <a:off x="1372440" y="2986829"/>
+              <a:ext cx="304892" cy="369332"/>
+            </a:xfrm>
+            <a:prstGeom prst="rect">
+              <a:avLst/>
+            </a:prstGeom>
+            <a:noFill/>
+          </p:spPr>
+          <p:txBody>
+            <a:bodyPr wrap="none" rtlCol="0">
+              <a:spAutoFit/>
+            </a:bodyPr>
+            <a:lstStyle/>
+            <a:p>
+              <a:r>
+                <a:rPr lang="en-US" dirty="0"/>
+                <a:t>X</a:t>
+              </a:r>
+            </a:p>
+          </p:txBody>
+        </p:sp>
+        <p:cxnSp>
+          <p:nvCxnSpPr>
+            <p:cNvPr id="32" name="Straight Arrow Connector 31">
+              <a:extLst>
+                <a:ext uri="{FF2B5EF4-FFF2-40B4-BE49-F238E27FC236}">
+                  <a16:creationId xmlns:a16="http://schemas.microsoft.com/office/drawing/2014/main" id="{068374D0-305F-42C4-B1ED-A25B91E3177A}"/>
+                </a:ext>
+              </a:extLst>
+            </p:cNvPr>
+            <p:cNvCxnSpPr>
+              <a:cxnSpLocks/>
+            </p:cNvCxnSpPr>
+            <p:nvPr/>
+          </p:nvCxnSpPr>
+          <p:spPr>
+            <a:xfrm>
+              <a:off x="1081668" y="3431048"/>
+              <a:ext cx="0" cy="722186"/>
+            </a:xfrm>
+            <a:prstGeom prst="straightConnector1">
+              <a:avLst/>
+            </a:prstGeom>
+            <a:ln>
+              <a:tailEnd type="triangle"/>
+            </a:ln>
+          </p:spPr>
+          <p:style>
+            <a:lnRef idx="1">
+              <a:schemeClr val="accent1"/>
+            </a:lnRef>
+            <a:fillRef idx="0">
+              <a:schemeClr val="accent1"/>
+            </a:fillRef>
+            <a:effectRef idx="0">
+              <a:schemeClr val="accent1"/>
+            </a:effectRef>
+            <a:fontRef idx="minor">
+              <a:schemeClr val="tx1"/>
+            </a:fontRef>
+          </p:style>
+        </p:cxnSp>
+        <p:sp>
+          <p:nvSpPr>
+            <p:cNvPr id="36" name="TextBox 35">
+              <a:extLst>
+                <a:ext uri="{FF2B5EF4-FFF2-40B4-BE49-F238E27FC236}">
+                  <a16:creationId xmlns:a16="http://schemas.microsoft.com/office/drawing/2014/main" id="{9EA4B1C9-6312-421B-96F1-F3C88321B556}"/>
+                </a:ext>
+              </a:extLst>
+            </p:cNvPr>
+            <p:cNvSpPr txBox="1"/>
+            <p:nvPr/>
+          </p:nvSpPr>
+          <p:spPr>
+            <a:xfrm rot="10800000" flipV="1">
+              <a:off x="721564" y="3542359"/>
+              <a:ext cx="409557" cy="369332"/>
+            </a:xfrm>
+            <a:prstGeom prst="rect">
+              <a:avLst/>
+            </a:prstGeom>
+            <a:noFill/>
+          </p:spPr>
+          <p:txBody>
+            <a:bodyPr wrap="square" rtlCol="0">
+              <a:spAutoFit/>
+            </a:bodyPr>
+            <a:lstStyle/>
+            <a:p>
+              <a:r>
+                <a:rPr lang="en-US" dirty="0"/>
+                <a:t>Y</a:t>
+              </a:r>
+            </a:p>
+          </p:txBody>
+        </p:sp>
+        <p:sp>
+          <p:nvSpPr>
+            <p:cNvPr id="10" name="Oval 9">
+              <a:extLst>
+                <a:ext uri="{FF2B5EF4-FFF2-40B4-BE49-F238E27FC236}">
+                  <a16:creationId xmlns:a16="http://schemas.microsoft.com/office/drawing/2014/main" id="{EA611A20-3D72-48EC-9F93-90E40535CAD5}"/>
+                </a:ext>
+              </a:extLst>
+            </p:cNvPr>
+            <p:cNvSpPr/>
+            <p:nvPr/>
+          </p:nvSpPr>
+          <p:spPr>
+            <a:xfrm>
+              <a:off x="969264" y="3311734"/>
+              <a:ext cx="220977" cy="230604"/>
+            </a:xfrm>
+            <a:prstGeom prst="ellipse">
+              <a:avLst/>
+            </a:prstGeom>
+            <a:ln>
+              <a:solidFill>
+                <a:schemeClr val="accent1"/>
+              </a:solidFill>
+            </a:ln>
+          </p:spPr>
+          <p:style>
+            <a:lnRef idx="2">
+              <a:schemeClr val="accent6"/>
+            </a:lnRef>
+            <a:fillRef idx="1">
+              <a:schemeClr val="lt1"/>
+            </a:fillRef>
+            <a:effectRef idx="0">
+              <a:schemeClr val="accent6"/>
+            </a:effectRef>
+            <a:fontRef idx="minor">
+              <a:schemeClr val="dk1"/>
+            </a:fontRef>
+          </p:style>
+          <p:txBody>
+            <a:bodyPr rtlCol="0" anchor="ctr"/>
+            <a:lstStyle/>
+            <a:p>
+              <a:pPr algn="ctr"/>
+              <a:endParaRPr lang="en-US"/>
+            </a:p>
+          </p:txBody>
+        </p:sp>
+        <p:sp>
+          <p:nvSpPr>
+            <p:cNvPr id="39" name="TextBox 38">
+              <a:extLst>
+                <a:ext uri="{FF2B5EF4-FFF2-40B4-BE49-F238E27FC236}">
+                  <a16:creationId xmlns:a16="http://schemas.microsoft.com/office/drawing/2014/main" id="{B7DC7A4F-576E-4D29-8BCC-FEEFD579C74D}"/>
+                </a:ext>
+              </a:extLst>
+            </p:cNvPr>
+            <p:cNvSpPr txBox="1"/>
+            <p:nvPr/>
+          </p:nvSpPr>
+          <p:spPr>
+            <a:xfrm>
+              <a:off x="311572" y="2950763"/>
+              <a:ext cx="1015727" cy="369332"/>
+            </a:xfrm>
+            <a:prstGeom prst="rect">
+              <a:avLst/>
+            </a:prstGeom>
+            <a:noFill/>
+          </p:spPr>
+          <p:txBody>
+            <a:bodyPr wrap="none" rtlCol="0">
+              <a:spAutoFit/>
+            </a:bodyPr>
+            <a:lstStyle/>
+            <a:p>
+              <a:r>
+                <a:rPr lang="en-US" dirty="0"/>
+                <a:t>Z (down)</a:t>
+              </a:r>
+            </a:p>
+          </p:txBody>
+        </p:sp>
+      </p:grpSp>
     </p:spTree>
     <p:extLst>
       <p:ext uri="{BB962C8B-B14F-4D97-AF65-F5344CB8AC3E}">
